--- a/projects/final-projects/01-lightning-talk/Lightning_Talk_Stieler.pptx
+++ b/projects/final-projects/01-lightning-talk/Lightning_Talk_Stieler.pptx
@@ -3493,14 +3493,22 @@
           <a:p>
             <a:r>
               <a:rPr lang="en-US" dirty="0" smtClean="0"/>
-              <a:t>Pre-2015: 2 Hospitals with ERs serve West CCC</a:t>
+              <a:t>Pre-2015: 2 Hospitals with </a:t>
+            </a:r>
+            <a:r>
+              <a:rPr lang="en-US" dirty="0" smtClean="0"/>
+              <a:t>ERs</a:t>
             </a:r>
           </a:p>
           <a:p>
             <a:pPr lvl="1"/>
             <a:r>
               <a:rPr lang="en-US" dirty="0" smtClean="0"/>
-              <a:t>Kaiser Richmond (Kaiser) &amp; Doctor’s Medical Center (DMC)</a:t>
+              <a:t>Kaiser </a:t>
+            </a:r>
+            <a:r>
+              <a:rPr lang="en-US" dirty="0" smtClean="0"/>
+              <a:t>Richmond (Kaiser) &amp; Doctor’s Medical Center (DMC)</a:t>
             </a:r>
           </a:p>
           <a:p>
@@ -3552,7 +3560,15 @@
           <a:p>
             <a:r>
               <a:rPr lang="en-US" dirty="0" smtClean="0"/>
-              <a:t>Stakeholders: CCC residents, hospitals, providers, first responders</a:t>
+              <a:t>Stakeholders: CCC residents, </a:t>
+            </a:r>
+            <a:r>
+              <a:rPr lang="en-US" dirty="0" smtClean="0"/>
+              <a:t>patients, hospitals</a:t>
+            </a:r>
+            <a:r>
+              <a:rPr lang="en-US" dirty="0" smtClean="0"/>
+              <a:t>, providers, first responders</a:t>
             </a:r>
           </a:p>
           <a:p>
@@ -3718,7 +3734,11 @@
           <a:p>
             <a:r>
               <a:rPr lang="en-US" dirty="0" smtClean="0"/>
-              <a:t>Determine if there is an association between ER closures in West Contra Costa County and Time to Transfer Patients using data from CCCEMS annual reports.</a:t>
+              <a:t>Determine if there is an association between ER closures in West Contra Costa County and Time to Transfer </a:t>
+            </a:r>
+            <a:r>
+              <a:rPr lang="en-US" dirty="0" smtClean="0"/>
+              <a:t>Patients, Ambulance Diversion amongst area hospitals.</a:t>
             </a:r>
             <a:endParaRPr lang="en-US" dirty="0"/>
           </a:p>
@@ -3741,50 +3761,58 @@
           </a:xfrm>
         </p:spPr>
         <p:txBody>
-          <a:bodyPr/>
-          <a:lstStyle/>
-          <a:p>
-            <a:r>
-              <a:rPr lang="en-US" dirty="0" smtClean="0"/>
-              <a:t>Contra Costa County Emergency Medical Services Annual Reports (2014-2016)</a:t>
+          <a:bodyPr>
+            <a:normAutofit/>
+          </a:bodyPr>
+          <a:lstStyle/>
+          <a:p>
+            <a:r>
+              <a:rPr lang="en-US" dirty="0" smtClean="0"/>
+              <a:t>EMS ER Utilization trends</a:t>
             </a:r>
           </a:p>
           <a:p>
             <a:pPr lvl="1"/>
             <a:r>
               <a:rPr lang="en-US" dirty="0" smtClean="0"/>
-              <a:t>Patient Transfer of Care by Facility Data by month</a:t>
-            </a:r>
-          </a:p>
-          <a:p>
-            <a:r>
-              <a:rPr lang="en-US" dirty="0" smtClean="0"/>
-              <a:t>Data Concerns</a:t>
+              <a:t>Only goes through 2013</a:t>
+            </a:r>
+            <a:endParaRPr lang="en-US" dirty="0" smtClean="0"/>
+          </a:p>
+          <a:p>
+            <a:r>
+              <a:rPr lang="en-US" dirty="0" smtClean="0"/>
+              <a:t>Contra </a:t>
+            </a:r>
+            <a:r>
+              <a:rPr lang="en-US" dirty="0" smtClean="0"/>
+              <a:t>Costa County Emergency Medical Services Annual Reports (2014-2016)</a:t>
             </a:r>
           </a:p>
           <a:p>
             <a:pPr lvl="1"/>
             <a:r>
               <a:rPr lang="en-US" dirty="0" smtClean="0"/>
-              <a:t>Publicly available in PDF form </a:t>
+              <a:t>Patient Transfer of Care by Facility Data by </a:t>
+            </a:r>
+            <a:r>
+              <a:rPr lang="en-US" dirty="0" smtClean="0"/>
+              <a:t>month (PDF!)</a:t>
+            </a:r>
+            <a:endParaRPr lang="en-US" dirty="0" smtClean="0"/>
+          </a:p>
+          <a:p>
+            <a:r>
+              <a:rPr lang="en-US" dirty="0" smtClean="0"/>
+              <a:t>CHHS Ambulance Diversion Trends</a:t>
             </a:r>
           </a:p>
           <a:p>
             <a:pPr lvl="1"/>
             <a:r>
               <a:rPr lang="en-US" dirty="0" smtClean="0"/>
-              <a:t>Raw data not available</a:t>
-            </a:r>
-          </a:p>
-          <a:p>
-            <a:pPr lvl="1"/>
-            <a:r>
-              <a:rPr lang="en-US" dirty="0" smtClean="0"/>
-              <a:t>Data does not address walk-ins/self-drive to ER</a:t>
-            </a:r>
-          </a:p>
-          <a:p>
-            <a:pPr lvl="1"/>
+              <a:t>Only goes through 2014</a:t>
+            </a:r>
             <a:endParaRPr lang="en-US" dirty="0" smtClean="0"/>
           </a:p>
         </p:txBody>
@@ -3867,8 +3895,8 @@
         </p:nvSpPr>
         <p:spPr>
           <a:xfrm>
-            <a:off x="457200" y="842150"/>
-            <a:ext cx="8229600" cy="5284013"/>
+            <a:off x="457200" y="1198589"/>
+            <a:ext cx="8229600" cy="4927574"/>
           </a:xfrm>
         </p:spPr>
         <p:txBody>
@@ -3884,7 +3912,15 @@
             <a:pPr lvl="1"/>
             <a:r>
               <a:rPr lang="en-US" dirty="0" smtClean="0"/>
-              <a:t>The closure of Alta Bates Sutter Summit Hospital in Berkeley will lead to increased transfer of care times in Richmond Kaiser.</a:t>
+              <a:t>The closure of Alta Bates Sutter Summit Hospital in Berkeley will lead to increased transfer of care </a:t>
+            </a:r>
+            <a:r>
+              <a:rPr lang="en-US" dirty="0" smtClean="0"/>
+              <a:t>times and ambulance diversions </a:t>
+            </a:r>
+            <a:r>
+              <a:rPr lang="en-US" dirty="0" smtClean="0"/>
+              <a:t>in Richmond Kaiser.</a:t>
             </a:r>
           </a:p>
           <a:p>
@@ -4020,7 +4056,15 @@
           <a:p>
             <a:r>
               <a:rPr lang="en-US" dirty="0" smtClean="0"/>
-              <a:t>24 persons /minute are a victim of IPV in the US</a:t>
+              <a:t>24 </a:t>
+            </a:r>
+            <a:r>
+              <a:rPr lang="en-US" dirty="0" smtClean="0"/>
+              <a:t>persons/</a:t>
+            </a:r>
+            <a:r>
+              <a:rPr lang="en-US" dirty="0" smtClean="0"/>
+              <a:t>minute are a victim of IPV in the US</a:t>
             </a:r>
           </a:p>
           <a:p>
@@ -4556,7 +4600,15 @@
           <a:p>
             <a:r>
               <a:rPr lang="en-US" dirty="0" smtClean="0"/>
-              <a:t>Proposition 64 passed in California legalizes the recreational use of marijuana</a:t>
+              <a:t>Proposition 64 </a:t>
+            </a:r>
+            <a:r>
+              <a:rPr lang="en-US" dirty="0" smtClean="0"/>
+              <a:t>legalizes </a:t>
+            </a:r>
+            <a:r>
+              <a:rPr lang="en-US" dirty="0" smtClean="0"/>
+              <a:t>the recreational use of marijuana</a:t>
             </a:r>
           </a:p>
           <a:p>
@@ -4574,7 +4626,15 @@
           <a:p>
             <a:r>
               <a:rPr lang="en-US" dirty="0" smtClean="0"/>
-              <a:t>Proposition 64 provided tens of millions to study the issue of establishing a standard</a:t>
+              <a:t>Proposition 64 </a:t>
+            </a:r>
+            <a:r>
+              <a:rPr lang="en-US" dirty="0" smtClean="0"/>
+              <a:t>provides </a:t>
+            </a:r>
+            <a:r>
+              <a:rPr lang="en-US" dirty="0" smtClean="0"/>
+              <a:t>tens of millions to study the issue of establishing a standard</a:t>
             </a:r>
           </a:p>
           <a:p>
@@ -4713,7 +4773,31 @@
             </a:r>
             <a:r>
               <a:rPr lang="en-US" dirty="0" smtClean="0"/>
-              <a:t>legalization of marijuana and increases in marijuana-related car accidents or deaths based on data available from Washington and Colorado and the NHSTA.</a:t>
+              <a:t>legalization of marijuana and increases in marijuana-related </a:t>
+            </a:r>
+            <a:r>
+              <a:rPr lang="en-US" dirty="0" smtClean="0"/>
+              <a:t>fatal car </a:t>
+            </a:r>
+            <a:r>
+              <a:rPr lang="en-US" dirty="0" smtClean="0"/>
+              <a:t>accidents </a:t>
+            </a:r>
+            <a:r>
+              <a:rPr lang="en-US" dirty="0" smtClean="0"/>
+              <a:t>based </a:t>
+            </a:r>
+            <a:r>
+              <a:rPr lang="en-US" dirty="0" smtClean="0"/>
+              <a:t>on data available from Washington and Colorado </a:t>
+            </a:r>
+            <a:r>
+              <a:rPr lang="en-US" dirty="0" smtClean="0"/>
+              <a:t>provided to the </a:t>
+            </a:r>
+            <a:r>
+              <a:rPr lang="en-US" dirty="0" smtClean="0"/>
+              <a:t>NHSTA.</a:t>
             </a:r>
             <a:endParaRPr lang="en-US" dirty="0"/>
           </a:p>
@@ -4731,7 +4815,9 @@
         </p:nvSpPr>
         <p:spPr/>
         <p:txBody>
-          <a:bodyPr/>
+          <a:bodyPr>
+            <a:normAutofit/>
+          </a:bodyPr>
           <a:lstStyle/>
           <a:p>
             <a:r>
@@ -4743,20 +4829,26 @@
           <a:p>
             <a:pPr lvl="1"/>
             <a:r>
-              <a:rPr lang="en-US" dirty="0"/>
-              <a:t>LAPD Crime and Collision Raw Data for 2012 </a:t>
-            </a:r>
-            <a:r>
-              <a:rPr lang="mr-IN" dirty="0"/>
-              <a:t>–</a:t>
-            </a:r>
-            <a:r>
-              <a:rPr lang="en-US" dirty="0"/>
-              <a:t> 2015</a:t>
+              <a:rPr lang="en-US" dirty="0" smtClean="0"/>
+              <a:t>Prepared by WA State and Colorado</a:t>
+            </a:r>
+          </a:p>
+          <a:p>
+            <a:r>
+              <a:rPr lang="en-US" dirty="0" smtClean="0"/>
+              <a:t>WA State Traffic data</a:t>
             </a:r>
           </a:p>
           <a:p>
             <a:pPr lvl="1"/>
+            <a:r>
+              <a:rPr lang="en-US" dirty="0" smtClean="0"/>
+              <a:t>Have to order data</a:t>
+            </a:r>
+            <a:endParaRPr lang="en-US" dirty="0"/>
+          </a:p>
+          <a:p>
+            <a:pPr lvl="1"/>
             <a:endParaRPr lang="en-US" dirty="0"/>
           </a:p>
           <a:p>
@@ -4769,7 +4861,14 @@
             <a:pPr lvl="1"/>
             <a:r>
               <a:rPr lang="en-US" dirty="0" smtClean="0"/>
-              <a:t>volume</a:t>
+              <a:t>Volume</a:t>
+            </a:r>
+          </a:p>
+          <a:p>
+            <a:pPr lvl="1"/>
+            <a:r>
+              <a:rPr lang="en-US" dirty="0" smtClean="0"/>
+              <a:t>Missing THC level data for many crashes (requires imputation)</a:t>
             </a:r>
             <a:endParaRPr lang="en-US" dirty="0"/>
           </a:p>
@@ -4883,15 +4982,25 @@
             <a:pPr lvl="1"/>
             <a:r>
               <a:rPr lang="en-US" dirty="0" smtClean="0"/>
-              <a:t>Increase the expediency by which State Officials develop a State-wide standard for detection of marijuana.</a:t>
-            </a:r>
+              <a:t>Increase the expediency by which State Officials develop a State-wide standard for detection of </a:t>
+            </a:r>
+            <a:r>
+              <a:rPr lang="en-US" dirty="0" smtClean="0"/>
+              <a:t>THC.</a:t>
+            </a:r>
+            <a:endParaRPr lang="en-US" dirty="0" smtClean="0"/>
           </a:p>
           <a:p>
             <a:pPr lvl="1"/>
             <a:r>
               <a:rPr lang="en-US" dirty="0" smtClean="0"/>
-              <a:t>Increase funding for the development of THC </a:t>
-            </a:r>
+              <a:t>Update </a:t>
+            </a:r>
+            <a:r>
+              <a:rPr lang="en-US" smtClean="0"/>
+              <a:t>traffic laws</a:t>
+            </a:r>
+            <a:endParaRPr lang="en-US" dirty="0" smtClean="0"/>
           </a:p>
         </p:txBody>
       </p:sp>
